--- a/UNDER DEVELOPMENT/OPAR Version 2/JESTER/SYTGT026_DAMASCUS_W_VEHICLE_FACTORY.pptx
+++ b/UNDER DEVELOPMENT/OPAR Version 2/JESTER/SYTGT026_DAMASCUS_W_VEHICLE_FACTORY.pptx
@@ -109,7 +109,7 @@
   </p:defaultTextStyle>
   <p:extLst>
     <p:ext uri="{EFAFB233-063F-42B5-8137-9DF3F51BA10A}">
-      <p15:sldGuideLst xmlns:p15="http://schemas.microsoft.com/office/powerpoint/2012/main">
+      <p15:sldGuideLst xmlns:p15="http://schemas.microsoft.com/office/powerpoint/2012/main" xmlns="">
         <p15:guide id="1" orient="horz" pos="1620">
           <p15:clr>
             <a:srgbClr val="A4A3A4"/>
@@ -209,7 +209,7 @@
             <a:fld id="{40637A30-8EE1-4060-9976-8832FC89EE34}" type="datetimeFigureOut">
               <a:rPr lang="nb-NO" smtClean="0"/>
               <a:pPr/>
-              <a:t>02.01.2022</a:t>
+              <a:t>09.06.2022</a:t>
             </a:fld>
             <a:endParaRPr lang="nb-NO"/>
           </a:p>
@@ -3617,7 +3617,7 @@
           <p:cNvPr id="35" name="Picture 34">
             <a:extLst>
               <a:ext uri="{FF2B5EF4-FFF2-40B4-BE49-F238E27FC236}">
-                <a16:creationId xmlns:a16="http://schemas.microsoft.com/office/drawing/2014/main" id="{DF6BF1C1-0D71-464D-B927-B19FEAC47C14}"/>
+                <a16:creationId xmlns:a16="http://schemas.microsoft.com/office/drawing/2014/main" xmlns="" id="{DF6BF1C1-0D71-464D-B927-B19FEAC47C14}"/>
               </a:ext>
             </a:extLst>
           </p:cNvPr>
@@ -3630,7 +3630,7 @@
           <a:blip r:embed="rId2" cstate="print">
             <a:extLst>
               <a:ext uri="{28A0092B-C50C-407E-A947-70E740481C1C}">
-                <a14:useLocalDpi xmlns:a14="http://schemas.microsoft.com/office/drawing/2010/main" val="0"/>
+                <a14:useLocalDpi xmlns:a14="http://schemas.microsoft.com/office/drawing/2010/main" xmlns="" val="0"/>
               </a:ext>
             </a:extLst>
           </a:blip>
@@ -4450,7 +4450,7 @@
           <p:cNvPr id="16" name="Isosceles Triangle 15">
             <a:extLst>
               <a:ext uri="{FF2B5EF4-FFF2-40B4-BE49-F238E27FC236}">
-                <a16:creationId xmlns:a16="http://schemas.microsoft.com/office/drawing/2014/main" id="{FD7F26CD-AA6C-49F1-9091-6D577DD5BC7C}"/>
+                <a16:creationId xmlns:a16="http://schemas.microsoft.com/office/drawing/2014/main" xmlns="" id="{FD7F26CD-AA6C-49F1-9091-6D577DD5BC7C}"/>
               </a:ext>
             </a:extLst>
           </p:cNvPr>
@@ -4506,7 +4506,7 @@
           <p:cNvPr id="10" name="TextBox 9">
             <a:extLst>
               <a:ext uri="{FF2B5EF4-FFF2-40B4-BE49-F238E27FC236}">
-                <a16:creationId xmlns:a16="http://schemas.microsoft.com/office/drawing/2014/main" id="{3B8FCC4D-55A3-4A04-821D-A2D3CD11E6E6}"/>
+                <a16:creationId xmlns:a16="http://schemas.microsoft.com/office/drawing/2014/main" xmlns="" id="{3B8FCC4D-55A3-4A04-821D-A2D3CD11E6E6}"/>
               </a:ext>
             </a:extLst>
           </p:cNvPr>
@@ -4550,7 +4550,7 @@
           <p:cNvPr id="38" name="Isosceles Triangle 37">
             <a:extLst>
               <a:ext uri="{FF2B5EF4-FFF2-40B4-BE49-F238E27FC236}">
-                <a16:creationId xmlns:a16="http://schemas.microsoft.com/office/drawing/2014/main" id="{FA7F8803-3043-4FB8-840A-434E5CD570EB}"/>
+                <a16:creationId xmlns:a16="http://schemas.microsoft.com/office/drawing/2014/main" xmlns="" id="{FA7F8803-3043-4FB8-840A-434E5CD570EB}"/>
               </a:ext>
             </a:extLst>
           </p:cNvPr>
@@ -4606,7 +4606,7 @@
           <p:cNvPr id="39" name="Isosceles Triangle 38">
             <a:extLst>
               <a:ext uri="{FF2B5EF4-FFF2-40B4-BE49-F238E27FC236}">
-                <a16:creationId xmlns:a16="http://schemas.microsoft.com/office/drawing/2014/main" id="{4EDC157E-2AC9-4979-93DA-2770438AFD00}"/>
+                <a16:creationId xmlns:a16="http://schemas.microsoft.com/office/drawing/2014/main" xmlns="" id="{4EDC157E-2AC9-4979-93DA-2770438AFD00}"/>
               </a:ext>
             </a:extLst>
           </p:cNvPr>
@@ -4662,7 +4662,7 @@
           <p:cNvPr id="40" name="Isosceles Triangle 39">
             <a:extLst>
               <a:ext uri="{FF2B5EF4-FFF2-40B4-BE49-F238E27FC236}">
-                <a16:creationId xmlns:a16="http://schemas.microsoft.com/office/drawing/2014/main" id="{D6E5D1DC-724C-42A9-9478-A4ECF84449AF}"/>
+                <a16:creationId xmlns:a16="http://schemas.microsoft.com/office/drawing/2014/main" xmlns="" id="{D6E5D1DC-724C-42A9-9478-A4ECF84449AF}"/>
               </a:ext>
             </a:extLst>
           </p:cNvPr>
@@ -4718,7 +4718,7 @@
           <p:cNvPr id="41" name="Isosceles Triangle 40">
             <a:extLst>
               <a:ext uri="{FF2B5EF4-FFF2-40B4-BE49-F238E27FC236}">
-                <a16:creationId xmlns:a16="http://schemas.microsoft.com/office/drawing/2014/main" id="{24FA472B-8617-4BEA-9D9A-D0598710EA0F}"/>
+                <a16:creationId xmlns:a16="http://schemas.microsoft.com/office/drawing/2014/main" xmlns="" id="{24FA472B-8617-4BEA-9D9A-D0598710EA0F}"/>
               </a:ext>
             </a:extLst>
           </p:cNvPr>
@@ -4774,7 +4774,7 @@
           <p:cNvPr id="42" name="Isosceles Triangle 41">
             <a:extLst>
               <a:ext uri="{FF2B5EF4-FFF2-40B4-BE49-F238E27FC236}">
-                <a16:creationId xmlns:a16="http://schemas.microsoft.com/office/drawing/2014/main" id="{FC4342D6-61E5-45A7-8E16-400C4C74AC47}"/>
+                <a16:creationId xmlns:a16="http://schemas.microsoft.com/office/drawing/2014/main" xmlns="" id="{FC4342D6-61E5-45A7-8E16-400C4C74AC47}"/>
               </a:ext>
             </a:extLst>
           </p:cNvPr>
@@ -4830,7 +4830,7 @@
           <p:cNvPr id="43" name="TextBox 42">
             <a:extLst>
               <a:ext uri="{FF2B5EF4-FFF2-40B4-BE49-F238E27FC236}">
-                <a16:creationId xmlns:a16="http://schemas.microsoft.com/office/drawing/2014/main" id="{2E466D1F-7DB7-477D-B31D-FF3360602CFC}"/>
+                <a16:creationId xmlns:a16="http://schemas.microsoft.com/office/drawing/2014/main" xmlns="" id="{2E466D1F-7DB7-477D-B31D-FF3360602CFC}"/>
               </a:ext>
             </a:extLst>
           </p:cNvPr>
@@ -4874,7 +4874,7 @@
           <p:cNvPr id="44" name="TextBox 43">
             <a:extLst>
               <a:ext uri="{FF2B5EF4-FFF2-40B4-BE49-F238E27FC236}">
-                <a16:creationId xmlns:a16="http://schemas.microsoft.com/office/drawing/2014/main" id="{DEF8F187-158E-484B-9934-7D89BDBE53CB}"/>
+                <a16:creationId xmlns:a16="http://schemas.microsoft.com/office/drawing/2014/main" xmlns="" id="{DEF8F187-158E-484B-9934-7D89BDBE53CB}"/>
               </a:ext>
             </a:extLst>
           </p:cNvPr>
@@ -4918,7 +4918,7 @@
           <p:cNvPr id="45" name="TextBox 44">
             <a:extLst>
               <a:ext uri="{FF2B5EF4-FFF2-40B4-BE49-F238E27FC236}">
-                <a16:creationId xmlns:a16="http://schemas.microsoft.com/office/drawing/2014/main" id="{C0DB5806-3ABF-4F37-B32F-2317A5750593}"/>
+                <a16:creationId xmlns:a16="http://schemas.microsoft.com/office/drawing/2014/main" xmlns="" id="{C0DB5806-3ABF-4F37-B32F-2317A5750593}"/>
               </a:ext>
             </a:extLst>
           </p:cNvPr>
@@ -4962,7 +4962,7 @@
           <p:cNvPr id="46" name="TextBox 45">
             <a:extLst>
               <a:ext uri="{FF2B5EF4-FFF2-40B4-BE49-F238E27FC236}">
-                <a16:creationId xmlns:a16="http://schemas.microsoft.com/office/drawing/2014/main" id="{111F7EDA-57BA-452B-BAE6-9A70FF25C653}"/>
+                <a16:creationId xmlns:a16="http://schemas.microsoft.com/office/drawing/2014/main" xmlns="" id="{111F7EDA-57BA-452B-BAE6-9A70FF25C653}"/>
               </a:ext>
             </a:extLst>
           </p:cNvPr>
@@ -5006,7 +5006,7 @@
           <p:cNvPr id="47" name="TextBox 46">
             <a:extLst>
               <a:ext uri="{FF2B5EF4-FFF2-40B4-BE49-F238E27FC236}">
-                <a16:creationId xmlns:a16="http://schemas.microsoft.com/office/drawing/2014/main" id="{DB5088E3-F45C-48A7-8079-5FB2482E42EF}"/>
+                <a16:creationId xmlns:a16="http://schemas.microsoft.com/office/drawing/2014/main" xmlns="" id="{DB5088E3-F45C-48A7-8079-5FB2482E42EF}"/>
               </a:ext>
             </a:extLst>
           </p:cNvPr>
@@ -5050,7 +5050,7 @@
           <p:cNvPr id="36" name="Freeform: Shape 35">
             <a:extLst>
               <a:ext uri="{FF2B5EF4-FFF2-40B4-BE49-F238E27FC236}">
-                <a16:creationId xmlns:a16="http://schemas.microsoft.com/office/drawing/2014/main" id="{5DCEBD59-D495-464F-82D7-BCCB7C7DAB62}"/>
+                <a16:creationId xmlns:a16="http://schemas.microsoft.com/office/drawing/2014/main" xmlns="" id="{5DCEBD59-D495-464F-82D7-BCCB7C7DAB62}"/>
               </a:ext>
             </a:extLst>
           </p:cNvPr>
@@ -5177,7 +5177,7 @@
     </p:spTree>
     <p:extLst>
       <p:ext uri="{BB962C8B-B14F-4D97-AF65-F5344CB8AC3E}">
-        <p14:creationId xmlns:p14="http://schemas.microsoft.com/office/powerpoint/2010/main" val="49096620"/>
+        <p14:creationId xmlns:p14="http://schemas.microsoft.com/office/powerpoint/2010/main" xmlns="" val="49096620"/>
       </p:ext>
     </p:extLst>
   </p:cSld>
